--- a/presentation/Meeting 2 - Analyse.pptx
+++ b/presentation/Meeting 2 - Analyse.pptx
@@ -8,12 +8,15 @@
     <p:sldId id="256" r:id="rId2"/>
     <p:sldId id="257" r:id="rId3"/>
     <p:sldId id="264" r:id="rId4"/>
-    <p:sldId id="258" r:id="rId5"/>
-    <p:sldId id="259" r:id="rId6"/>
-    <p:sldId id="260" r:id="rId7"/>
-    <p:sldId id="261" r:id="rId8"/>
-    <p:sldId id="262" r:id="rId9"/>
-    <p:sldId id="263" r:id="rId10"/>
+    <p:sldId id="266" r:id="rId5"/>
+    <p:sldId id="267" r:id="rId6"/>
+    <p:sldId id="258" r:id="rId7"/>
+    <p:sldId id="259" r:id="rId8"/>
+    <p:sldId id="260" r:id="rId9"/>
+    <p:sldId id="261" r:id="rId10"/>
+    <p:sldId id="262" r:id="rId11"/>
+    <p:sldId id="263" r:id="rId12"/>
+    <p:sldId id="265" r:id="rId13"/>
   </p:sldIdLst>
   <p:sldSz cx="12192000" cy="6858000"/>
   <p:notesSz cx="6858000" cy="9144000"/>
@@ -112,7 +115,16 @@
       </a:defRPr>
     </a:lvl9pPr>
   </p:defaultTextStyle>
+  <p:extLst>
+    <p:ext uri="{EFAFB233-063F-42B5-8137-9DF3F51BA10A}">
+      <p15:sldGuideLst xmlns:p15="http://schemas.microsoft.com/office/powerpoint/2012/main"/>
+    </p:ext>
+  </p:extLst>
 </p:presentation>
+</file>
+
+<file path=ppt/revisionInfo.xml><?xml version="1.0" encoding="utf-8"?>
+<p1510:revInfo xmlns:a="http://schemas.openxmlformats.org/drawingml/2006/main" xmlns:r="http://schemas.openxmlformats.org/officeDocument/2006/relationships" xmlns:p1510="http://schemas.microsoft.com/office/powerpoint/2015/10/main"/>
 </file>
 
 <file path=ppt/slideLayouts/slideLayout1.xml><?xml version="1.0" encoding="utf-8"?>
@@ -301,7 +313,7 @@
           <a:p>
             <a:fld id="{4AAD347D-5ACD-4C99-B74B-A9C85AD731AF}" type="datetimeFigureOut">
               <a:rPr lang="en-US" dirty="0"/>
-              <a:t>4/13/2018</a:t>
+              <a:t>4/17/2018</a:t>
             </a:fld>
             <a:endParaRPr lang="en-US" dirty="0"/>
           </a:p>
@@ -571,7 +583,7 @@
           <a:p>
             <a:fld id="{4509A250-FF31-4206-8172-F9D3106AACB1}" type="datetimeFigureOut">
               <a:rPr lang="en-US" dirty="0"/>
-              <a:t>4/13/2018</a:t>
+              <a:t>4/17/2018</a:t>
             </a:fld>
             <a:endParaRPr lang="en-US" dirty="0"/>
           </a:p>
@@ -760,7 +772,7 @@
           <a:p>
             <a:fld id="{4509A250-FF31-4206-8172-F9D3106AACB1}" type="datetimeFigureOut">
               <a:rPr lang="en-US" dirty="0"/>
-              <a:t>4/13/2018</a:t>
+              <a:t>4/17/2018</a:t>
             </a:fld>
             <a:endParaRPr lang="en-US" dirty="0"/>
           </a:p>
@@ -1028,7 +1040,7 @@
           <a:p>
             <a:fld id="{4509A250-FF31-4206-8172-F9D3106AACB1}" type="datetimeFigureOut">
               <a:rPr lang="en-US" dirty="0"/>
-              <a:t>4/13/2018</a:t>
+              <a:t>4/17/2018</a:t>
             </a:fld>
             <a:endParaRPr lang="en-US" dirty="0"/>
           </a:p>
@@ -1364,7 +1376,7 @@
           <a:p>
             <a:fld id="{4509A250-FF31-4206-8172-F9D3106AACB1}" type="datetimeFigureOut">
               <a:rPr lang="en-US" dirty="0"/>
-              <a:t>4/13/2018</a:t>
+              <a:t>4/17/2018</a:t>
             </a:fld>
             <a:endParaRPr lang="en-US" dirty="0"/>
           </a:p>
@@ -1982,7 +1994,7 @@
           <a:p>
             <a:fld id="{4509A250-FF31-4206-8172-F9D3106AACB1}" type="datetimeFigureOut">
               <a:rPr lang="en-US" dirty="0"/>
-              <a:t>4/13/2018</a:t>
+              <a:t>4/17/2018</a:t>
             </a:fld>
             <a:endParaRPr lang="en-US" dirty="0"/>
           </a:p>
@@ -2837,7 +2849,7 @@
           <a:p>
             <a:fld id="{4509A250-FF31-4206-8172-F9D3106AACB1}" type="datetimeFigureOut">
               <a:rPr lang="en-US" dirty="0"/>
-              <a:t>4/13/2018</a:t>
+              <a:t>4/17/2018</a:t>
             </a:fld>
             <a:endParaRPr lang="en-US" dirty="0"/>
           </a:p>
@@ -3002,7 +3014,7 @@
           <a:p>
             <a:fld id="{4509A250-FF31-4206-8172-F9D3106AACB1}" type="datetimeFigureOut">
               <a:rPr lang="en-US" dirty="0"/>
-              <a:t>4/13/2018</a:t>
+              <a:t>4/17/2018</a:t>
             </a:fld>
             <a:endParaRPr lang="en-US" dirty="0"/>
           </a:p>
@@ -3177,7 +3189,7 @@
           <a:p>
             <a:fld id="{4509A250-FF31-4206-8172-F9D3106AACB1}" type="datetimeFigureOut">
               <a:rPr lang="en-US" dirty="0"/>
-              <a:t>4/13/2018</a:t>
+              <a:t>4/17/2018</a:t>
             </a:fld>
             <a:endParaRPr lang="en-US" dirty="0"/>
           </a:p>
@@ -3342,7 +3354,7 @@
           <a:p>
             <a:fld id="{4509A250-FF31-4206-8172-F9D3106AACB1}" type="datetimeFigureOut">
               <a:rPr lang="en-US" dirty="0"/>
-              <a:t>4/13/2018</a:t>
+              <a:t>4/17/2018</a:t>
             </a:fld>
             <a:endParaRPr lang="en-US" dirty="0"/>
           </a:p>
@@ -3584,7 +3596,7 @@
           <a:p>
             <a:fld id="{9796027F-7875-4030-9381-8BD8C4F21935}" type="datetimeFigureOut">
               <a:rPr lang="en-US" dirty="0"/>
-              <a:t>4/13/2018</a:t>
+              <a:t>4/17/2018</a:t>
             </a:fld>
             <a:endParaRPr lang="en-US" dirty="0"/>
           </a:p>
@@ -3871,7 +3883,7 @@
           <a:p>
             <a:fld id="{9796027F-7875-4030-9381-8BD8C4F21935}" type="datetimeFigureOut">
               <a:rPr lang="en-US" dirty="0"/>
-              <a:t>4/13/2018</a:t>
+              <a:t>4/17/2018</a:t>
             </a:fld>
             <a:endParaRPr lang="en-US" dirty="0"/>
           </a:p>
@@ -4310,7 +4322,7 @@
           <a:p>
             <a:fld id="{9796027F-7875-4030-9381-8BD8C4F21935}" type="datetimeFigureOut">
               <a:rPr lang="en-US" dirty="0"/>
-              <a:t>4/13/2018</a:t>
+              <a:t>4/17/2018</a:t>
             </a:fld>
             <a:endParaRPr lang="en-US" dirty="0"/>
           </a:p>
@@ -4423,7 +4435,7 @@
           <a:p>
             <a:fld id="{4509A250-FF31-4206-8172-F9D3106AACB1}" type="datetimeFigureOut">
               <a:rPr lang="en-US" dirty="0"/>
-              <a:t>4/13/2018</a:t>
+              <a:t>4/17/2018</a:t>
             </a:fld>
             <a:endParaRPr lang="en-US" dirty="0"/>
           </a:p>
@@ -4513,7 +4525,7 @@
           <a:p>
             <a:fld id="{4509A250-FF31-4206-8172-F9D3106AACB1}" type="datetimeFigureOut">
               <a:rPr lang="en-US" dirty="0"/>
-              <a:t>4/13/2018</a:t>
+              <a:t>4/17/2018</a:t>
             </a:fld>
             <a:endParaRPr lang="en-US" dirty="0"/>
           </a:p>
@@ -4787,7 +4799,7 @@
           <a:p>
             <a:fld id="{4509A250-FF31-4206-8172-F9D3106AACB1}" type="datetimeFigureOut">
               <a:rPr lang="en-US" dirty="0"/>
-              <a:t>4/13/2018</a:t>
+              <a:t>4/17/2018</a:t>
             </a:fld>
             <a:endParaRPr lang="en-US" dirty="0"/>
           </a:p>
@@ -5057,7 +5069,7 @@
           <a:p>
             <a:fld id="{4509A250-FF31-4206-8172-F9D3106AACB1}" type="datetimeFigureOut">
               <a:rPr lang="en-US" dirty="0"/>
-              <a:t>4/13/2018</a:t>
+              <a:t>4/17/2018</a:t>
             </a:fld>
             <a:endParaRPr lang="en-US" dirty="0"/>
           </a:p>
@@ -5481,7 +5493,7 @@
           <a:p>
             <a:fld id="{4AAD347D-5ACD-4C99-B74B-A9C85AD731AF}" type="datetimeFigureOut">
               <a:rPr lang="en-US" dirty="0"/>
-              <a:t>4/13/2018</a:t>
+              <a:t>4/17/2018</a:t>
             </a:fld>
             <a:endParaRPr lang="en-US" dirty="0"/>
           </a:p>
@@ -6030,6 +6042,9 @@
               <a:rPr lang="de-DE" dirty="0"/>
               <a:t>Projektarbeit – </a:t>
             </a:r>
+            <a:br>
+              <a:rPr lang="de-DE" dirty="0"/>
+            </a:br>
             <a:r>
               <a:rPr lang="de-DE" dirty="0" err="1"/>
               <a:t>Fitts</a:t>
@@ -6073,6 +6088,342 @@
     <p:extLst>
       <p:ext uri="{BB962C8B-B14F-4D97-AF65-F5344CB8AC3E}">
         <p14:creationId xmlns:p14="http://schemas.microsoft.com/office/powerpoint/2010/main" val="616239649"/>
+      </p:ext>
+    </p:extLst>
+  </p:cSld>
+  <p:clrMapOvr>
+    <a:masterClrMapping/>
+  </p:clrMapOvr>
+</p:sld>
+</file>
+
+<file path=ppt/slides/slide10.xml><?xml version="1.0" encoding="utf-8"?>
+<p:sld xmlns:a="http://schemas.openxmlformats.org/drawingml/2006/main" xmlns:r="http://schemas.openxmlformats.org/officeDocument/2006/relationships" xmlns:p="http://schemas.openxmlformats.org/presentationml/2006/main">
+  <p:cSld>
+    <p:spTree>
+      <p:nvGrpSpPr>
+        <p:cNvPr id="1" name=""/>
+        <p:cNvGrpSpPr/>
+        <p:nvPr/>
+      </p:nvGrpSpPr>
+      <p:grpSpPr>
+        <a:xfrm>
+          <a:off x="0" y="0"/>
+          <a:ext cx="0" cy="0"/>
+          <a:chOff x="0" y="0"/>
+          <a:chExt cx="0" cy="0"/>
+        </a:xfrm>
+      </p:grpSpPr>
+      <p:sp>
+        <p:nvSpPr>
+          <p:cNvPr id="2" name="Titel 1">
+            <a:extLst>
+              <a:ext uri="{FF2B5EF4-FFF2-40B4-BE49-F238E27FC236}">
+                <a16:creationId xmlns:a16="http://schemas.microsoft.com/office/drawing/2014/main" id="{FD722970-5EE3-40B6-975E-47ED8D83AE24}"/>
+              </a:ext>
+            </a:extLst>
+          </p:cNvPr>
+          <p:cNvSpPr>
+            <a:spLocks noGrp="1"/>
+          </p:cNvSpPr>
+          <p:nvPr>
+            <p:ph type="title"/>
+          </p:nvPr>
+        </p:nvSpPr>
+        <p:spPr/>
+        <p:txBody>
+          <a:bodyPr/>
+          <a:lstStyle/>
+          <a:p>
+            <a:r>
+              <a:rPr lang="de-DE" dirty="0"/>
+              <a:t>Datenschema – Allgemeine Daten</a:t>
+            </a:r>
+          </a:p>
+        </p:txBody>
+      </p:sp>
+      <p:sp>
+        <p:nvSpPr>
+          <p:cNvPr id="3" name="Inhaltsplatzhalter 2">
+            <a:extLst>
+              <a:ext uri="{FF2B5EF4-FFF2-40B4-BE49-F238E27FC236}">
+                <a16:creationId xmlns:a16="http://schemas.microsoft.com/office/drawing/2014/main" id="{608E9DB5-BDD2-43AD-8B09-EBC3F3B0EF2B}"/>
+              </a:ext>
+            </a:extLst>
+          </p:cNvPr>
+          <p:cNvSpPr>
+            <a:spLocks noGrp="1"/>
+          </p:cNvSpPr>
+          <p:nvPr>
+            <p:ph idx="1"/>
+          </p:nvPr>
+        </p:nvSpPr>
+        <p:spPr/>
+        <p:txBody>
+          <a:bodyPr/>
+          <a:lstStyle/>
+          <a:p>
+            <a:r>
+              <a:rPr lang="de-DE" dirty="0"/>
+              <a:t>Version</a:t>
+            </a:r>
+          </a:p>
+          <a:p>
+            <a:r>
+              <a:rPr lang="de-DE" dirty="0"/>
+              <a:t>Computername</a:t>
+            </a:r>
+          </a:p>
+          <a:p>
+            <a:r>
+              <a:rPr lang="de-DE" dirty="0"/>
+              <a:t>OS</a:t>
+            </a:r>
+          </a:p>
+          <a:p>
+            <a:r>
+              <a:rPr lang="de-DE" dirty="0" err="1"/>
+              <a:t>Timestamp</a:t>
+            </a:r>
+            <a:endParaRPr lang="de-DE" dirty="0"/>
+          </a:p>
+          <a:p>
+            <a:endParaRPr lang="de-DE" dirty="0"/>
+          </a:p>
+          <a:p>
+            <a:endParaRPr lang="de-DE" dirty="0"/>
+          </a:p>
+        </p:txBody>
+      </p:sp>
+    </p:spTree>
+    <p:extLst>
+      <p:ext uri="{BB962C8B-B14F-4D97-AF65-F5344CB8AC3E}">
+        <p14:creationId xmlns:p14="http://schemas.microsoft.com/office/powerpoint/2010/main" val="4004743037"/>
+      </p:ext>
+    </p:extLst>
+  </p:cSld>
+  <p:clrMapOvr>
+    <a:masterClrMapping/>
+  </p:clrMapOvr>
+</p:sld>
+</file>
+
+<file path=ppt/slides/slide11.xml><?xml version="1.0" encoding="utf-8"?>
+<p:sld xmlns:a="http://schemas.openxmlformats.org/drawingml/2006/main" xmlns:r="http://schemas.openxmlformats.org/officeDocument/2006/relationships" xmlns:p="http://schemas.openxmlformats.org/presentationml/2006/main">
+  <p:cSld>
+    <p:spTree>
+      <p:nvGrpSpPr>
+        <p:cNvPr id="1" name=""/>
+        <p:cNvGrpSpPr/>
+        <p:nvPr/>
+      </p:nvGrpSpPr>
+      <p:grpSpPr>
+        <a:xfrm>
+          <a:off x="0" y="0"/>
+          <a:ext cx="0" cy="0"/>
+          <a:chOff x="0" y="0"/>
+          <a:chExt cx="0" cy="0"/>
+        </a:xfrm>
+      </p:grpSpPr>
+      <p:sp>
+        <p:nvSpPr>
+          <p:cNvPr id="2" name="Titel 1">
+            <a:extLst>
+              <a:ext uri="{FF2B5EF4-FFF2-40B4-BE49-F238E27FC236}">
+                <a16:creationId xmlns:a16="http://schemas.microsoft.com/office/drawing/2014/main" id="{FD722970-5EE3-40B6-975E-47ED8D83AE24}"/>
+              </a:ext>
+            </a:extLst>
+          </p:cNvPr>
+          <p:cNvSpPr>
+            <a:spLocks noGrp="1"/>
+          </p:cNvSpPr>
+          <p:nvPr>
+            <p:ph type="title"/>
+          </p:nvPr>
+        </p:nvSpPr>
+        <p:spPr/>
+        <p:txBody>
+          <a:bodyPr/>
+          <a:lstStyle/>
+          <a:p>
+            <a:r>
+              <a:rPr lang="de-DE" dirty="0"/>
+              <a:t>Datenschema – Messdaten</a:t>
+            </a:r>
+          </a:p>
+        </p:txBody>
+      </p:sp>
+      <p:sp>
+        <p:nvSpPr>
+          <p:cNvPr id="3" name="Inhaltsplatzhalter 2">
+            <a:extLst>
+              <a:ext uri="{FF2B5EF4-FFF2-40B4-BE49-F238E27FC236}">
+                <a16:creationId xmlns:a16="http://schemas.microsoft.com/office/drawing/2014/main" id="{608E9DB5-BDD2-43AD-8B09-EBC3F3B0EF2B}"/>
+              </a:ext>
+            </a:extLst>
+          </p:cNvPr>
+          <p:cNvSpPr>
+            <a:spLocks noGrp="1"/>
+          </p:cNvSpPr>
+          <p:nvPr>
+            <p:ph idx="1"/>
+          </p:nvPr>
+        </p:nvSpPr>
+        <p:spPr/>
+        <p:txBody>
+          <a:bodyPr/>
+          <a:lstStyle/>
+          <a:p>
+            <a:r>
+              <a:rPr lang="de-DE" dirty="0"/>
+              <a:t>Versuch 1</a:t>
+            </a:r>
+          </a:p>
+          <a:p>
+            <a:pPr lvl="1"/>
+            <a:r>
+              <a:rPr lang="de-DE" dirty="0"/>
+              <a:t>Angezeigter Befehl (z.B. Drucken)	</a:t>
+            </a:r>
+          </a:p>
+          <a:p>
+            <a:pPr lvl="1"/>
+            <a:r>
+              <a:rPr lang="de-DE" dirty="0"/>
+              <a:t>Gedrückter Shortcut</a:t>
+            </a:r>
+          </a:p>
+          <a:p>
+            <a:pPr lvl="1"/>
+            <a:r>
+              <a:rPr lang="de-DE" dirty="0"/>
+              <a:t>Benötigte Zeit</a:t>
+            </a:r>
+          </a:p>
+          <a:p>
+            <a:r>
+              <a:rPr lang="de-DE" dirty="0"/>
+              <a:t>Versuch 2</a:t>
+            </a:r>
+          </a:p>
+          <a:p>
+            <a:pPr lvl="1"/>
+            <a:r>
+              <a:rPr lang="de-DE" dirty="0"/>
+              <a:t>Angezeigter Shortcut</a:t>
+            </a:r>
+          </a:p>
+          <a:p>
+            <a:pPr lvl="1"/>
+            <a:r>
+              <a:rPr lang="de-DE" dirty="0"/>
+              <a:t>Benötigte Zeit</a:t>
+            </a:r>
+          </a:p>
+          <a:p>
+            <a:endParaRPr lang="de-DE" dirty="0"/>
+          </a:p>
+          <a:p>
+            <a:endParaRPr lang="de-DE" dirty="0"/>
+          </a:p>
+        </p:txBody>
+      </p:sp>
+    </p:spTree>
+    <p:extLst>
+      <p:ext uri="{BB962C8B-B14F-4D97-AF65-F5344CB8AC3E}">
+        <p14:creationId xmlns:p14="http://schemas.microsoft.com/office/powerpoint/2010/main" val="2499850819"/>
+      </p:ext>
+    </p:extLst>
+  </p:cSld>
+  <p:clrMapOvr>
+    <a:masterClrMapping/>
+  </p:clrMapOvr>
+</p:sld>
+</file>
+
+<file path=ppt/slides/slide12.xml><?xml version="1.0" encoding="utf-8"?>
+<p:sld xmlns:a="http://schemas.openxmlformats.org/drawingml/2006/main" xmlns:r="http://schemas.openxmlformats.org/officeDocument/2006/relationships" xmlns:p="http://schemas.openxmlformats.org/presentationml/2006/main">
+  <p:cSld>
+    <p:spTree>
+      <p:nvGrpSpPr>
+        <p:cNvPr id="1" name=""/>
+        <p:cNvGrpSpPr/>
+        <p:nvPr/>
+      </p:nvGrpSpPr>
+      <p:grpSpPr>
+        <a:xfrm>
+          <a:off x="0" y="0"/>
+          <a:ext cx="0" cy="0"/>
+          <a:chOff x="0" y="0"/>
+          <a:chExt cx="0" cy="0"/>
+        </a:xfrm>
+      </p:grpSpPr>
+      <p:sp>
+        <p:nvSpPr>
+          <p:cNvPr id="2" name="Titel 1">
+            <a:extLst>
+              <a:ext uri="{FF2B5EF4-FFF2-40B4-BE49-F238E27FC236}">
+                <a16:creationId xmlns:a16="http://schemas.microsoft.com/office/drawing/2014/main" id="{79319782-33EA-48C6-A987-F6FFA0E37E1A}"/>
+              </a:ext>
+            </a:extLst>
+          </p:cNvPr>
+          <p:cNvSpPr>
+            <a:spLocks noGrp="1"/>
+          </p:cNvSpPr>
+          <p:nvPr>
+            <p:ph type="title"/>
+          </p:nvPr>
+        </p:nvSpPr>
+        <p:spPr/>
+        <p:txBody>
+          <a:bodyPr/>
+          <a:lstStyle/>
+          <a:p>
+            <a:r>
+              <a:rPr lang="de-DE" dirty="0"/>
+              <a:t>Nächste Schritte</a:t>
+            </a:r>
+          </a:p>
+        </p:txBody>
+      </p:sp>
+      <p:sp>
+        <p:nvSpPr>
+          <p:cNvPr id="3" name="Inhaltsplatzhalter 2">
+            <a:extLst>
+              <a:ext uri="{FF2B5EF4-FFF2-40B4-BE49-F238E27FC236}">
+                <a16:creationId xmlns:a16="http://schemas.microsoft.com/office/drawing/2014/main" id="{B157A58B-A144-4940-8CA0-2615D651B186}"/>
+              </a:ext>
+            </a:extLst>
+          </p:cNvPr>
+          <p:cNvSpPr>
+            <a:spLocks noGrp="1"/>
+          </p:cNvSpPr>
+          <p:nvPr>
+            <p:ph idx="1"/>
+          </p:nvPr>
+        </p:nvSpPr>
+        <p:spPr/>
+        <p:txBody>
+          <a:bodyPr/>
+          <a:lstStyle/>
+          <a:p>
+            <a:r>
+              <a:rPr lang="de-DE" dirty="0"/>
+              <a:t>Entwurf besprechen</a:t>
+            </a:r>
+          </a:p>
+          <a:p>
+            <a:r>
+              <a:rPr lang="de-DE" dirty="0"/>
+              <a:t>Implementierung</a:t>
+            </a:r>
+          </a:p>
+        </p:txBody>
+      </p:sp>
+    </p:spTree>
+    <p:extLst>
+      <p:ext uri="{BB962C8B-B14F-4D97-AF65-F5344CB8AC3E}">
+        <p14:creationId xmlns:p14="http://schemas.microsoft.com/office/powerpoint/2010/main" val="528831117"/>
       </p:ext>
     </p:extLst>
   </p:cSld>
@@ -6219,50 +6570,35 @@
           </a:p>
         </p:txBody>
       </p:sp>
-      <p:sp>
-        <p:nvSpPr>
-          <p:cNvPr id="3" name="Inhaltsplatzhalter 2">
+      <p:pic>
+        <p:nvPicPr>
+          <p:cNvPr id="5" name="Inhaltsplatzhalter 4">
             <a:extLst>
               <a:ext uri="{FF2B5EF4-FFF2-40B4-BE49-F238E27FC236}">
-                <a16:creationId xmlns:a16="http://schemas.microsoft.com/office/drawing/2014/main" id="{E0120162-33F2-4EC8-A0F3-657577414274}"/>
+                <a16:creationId xmlns:a16="http://schemas.microsoft.com/office/drawing/2014/main" id="{9D5A5731-87D2-42DA-88C4-05E5F469874B}"/>
               </a:ext>
             </a:extLst>
           </p:cNvPr>
-          <p:cNvSpPr>
-            <a:spLocks noGrp="1"/>
-          </p:cNvSpPr>
+          <p:cNvPicPr>
+            <a:picLocks noGrp="1" noChangeAspect="1"/>
+          </p:cNvPicPr>
           <p:nvPr>
             <p:ph idx="1"/>
           </p:nvPr>
-        </p:nvSpPr>
-        <p:spPr/>
-        <p:txBody>
-          <a:bodyPr/>
-          <a:lstStyle/>
-          <a:p>
-            <a:r>
-              <a:rPr lang="de-DE" dirty="0"/>
-              <a:t>TODO </a:t>
-            </a:r>
-            <a:r>
-              <a:rPr lang="de-DE" dirty="0" err="1"/>
-              <a:t>insert</a:t>
-            </a:r>
-            <a:r>
-              <a:rPr lang="de-DE" dirty="0"/>
-              <a:t> </a:t>
-            </a:r>
-            <a:r>
-              <a:rPr lang="de-DE" dirty="0" err="1"/>
-              <a:t>image</a:t>
-            </a:r>
-            <a:r>
-              <a:rPr lang="de-DE" dirty="0"/>
-              <a:t>…</a:t>
-            </a:r>
-          </a:p>
-        </p:txBody>
-      </p:sp>
+        </p:nvPicPr>
+        <p:blipFill>
+          <a:blip r:embed="rId2"/>
+          <a:stretch>
+            <a:fillRect/>
+          </a:stretch>
+        </p:blipFill>
+        <p:spPr>
+          <a:xfrm>
+            <a:off x="2498424" y="2052638"/>
+            <a:ext cx="6156927" cy="4195762"/>
+          </a:xfrm>
+        </p:spPr>
+      </p:pic>
     </p:spTree>
     <p:extLst>
       <p:ext uri="{BB962C8B-B14F-4D97-AF65-F5344CB8AC3E}">
@@ -6298,7 +6634,7 @@
           <p:cNvPr id="2" name="Titel 1">
             <a:extLst>
               <a:ext uri="{FF2B5EF4-FFF2-40B4-BE49-F238E27FC236}">
-                <a16:creationId xmlns:a16="http://schemas.microsoft.com/office/drawing/2014/main" id="{FD722970-5EE3-40B6-975E-47ED8D83AE24}"/>
+                <a16:creationId xmlns:a16="http://schemas.microsoft.com/office/drawing/2014/main" id="{237D9ADC-6E8A-4999-B7A9-78C498C5CCA6}"/>
               </a:ext>
             </a:extLst>
           </p:cNvPr>
@@ -6316,81 +6652,44 @@
           <a:p>
             <a:r>
               <a:rPr lang="de-DE" dirty="0"/>
-              <a:t>Datenschema</a:t>
-            </a:r>
-          </a:p>
-        </p:txBody>
-      </p:sp>
-      <p:sp>
-        <p:nvSpPr>
-          <p:cNvPr id="3" name="Inhaltsplatzhalter 2">
+              <a:t>Mockup</a:t>
+            </a:r>
+          </a:p>
+        </p:txBody>
+      </p:sp>
+      <p:pic>
+        <p:nvPicPr>
+          <p:cNvPr id="9" name="Inhaltsplatzhalter 8">
             <a:extLst>
               <a:ext uri="{FF2B5EF4-FFF2-40B4-BE49-F238E27FC236}">
-                <a16:creationId xmlns:a16="http://schemas.microsoft.com/office/drawing/2014/main" id="{608E9DB5-BDD2-43AD-8B09-EBC3F3B0EF2B}"/>
+                <a16:creationId xmlns:a16="http://schemas.microsoft.com/office/drawing/2014/main" id="{34074C8F-E690-47EF-94E6-87A954FC42C3}"/>
               </a:ext>
             </a:extLst>
           </p:cNvPr>
-          <p:cNvSpPr>
-            <a:spLocks noGrp="1"/>
-          </p:cNvSpPr>
+          <p:cNvPicPr>
+            <a:picLocks noGrp="1" noChangeAspect="1"/>
+          </p:cNvPicPr>
           <p:nvPr>
             <p:ph idx="1"/>
           </p:nvPr>
-        </p:nvSpPr>
-        <p:spPr/>
-        <p:txBody>
-          <a:bodyPr/>
-          <a:lstStyle/>
-          <a:p>
-            <a:r>
-              <a:rPr lang="de-DE" dirty="0"/>
-              <a:t>Einstellungen</a:t>
-            </a:r>
-          </a:p>
-          <a:p>
-            <a:pPr lvl="1"/>
-            <a:r>
-              <a:rPr lang="de-DE" dirty="0"/>
-              <a:t>Eingabegerät</a:t>
-            </a:r>
-          </a:p>
-          <a:p>
-            <a:pPr lvl="1"/>
-            <a:r>
-              <a:rPr lang="de-DE" dirty="0"/>
-              <a:t>Proband</a:t>
-            </a:r>
-          </a:p>
-          <a:p>
-            <a:pPr lvl="1"/>
-            <a:r>
-              <a:rPr lang="de-DE" dirty="0"/>
-              <a:t>Versuch</a:t>
-            </a:r>
-          </a:p>
-          <a:p>
-            <a:pPr lvl="1"/>
-            <a:r>
-              <a:rPr lang="de-DE" dirty="0"/>
-              <a:t>Allgemeine Daten</a:t>
-            </a:r>
-          </a:p>
-          <a:p>
-            <a:r>
-              <a:rPr lang="de-DE" dirty="0"/>
-              <a:t>Messdaten</a:t>
-            </a:r>
-          </a:p>
-          <a:p>
-            <a:pPr lvl="1"/>
-            <a:endParaRPr lang="de-DE" dirty="0"/>
-          </a:p>
-        </p:txBody>
-      </p:sp>
+        </p:nvPicPr>
+        <p:blipFill>
+          <a:blip r:embed="rId2"/>
+          <a:stretch>
+            <a:fillRect/>
+          </a:stretch>
+        </p:blipFill>
+        <p:spPr>
+          <a:xfrm>
+            <a:off x="2441493" y="2052638"/>
+            <a:ext cx="6270789" cy="4195762"/>
+          </a:xfrm>
+        </p:spPr>
+      </p:pic>
     </p:spTree>
     <p:extLst>
       <p:ext uri="{BB962C8B-B14F-4D97-AF65-F5344CB8AC3E}">
-        <p14:creationId xmlns:p14="http://schemas.microsoft.com/office/powerpoint/2010/main" val="4132783222"/>
+        <p14:creationId xmlns:p14="http://schemas.microsoft.com/office/powerpoint/2010/main" val="1791698905"/>
       </p:ext>
     </p:extLst>
   </p:cSld>
@@ -6422,7 +6721,7 @@
           <p:cNvPr id="2" name="Titel 1">
             <a:extLst>
               <a:ext uri="{FF2B5EF4-FFF2-40B4-BE49-F238E27FC236}">
-                <a16:creationId xmlns:a16="http://schemas.microsoft.com/office/drawing/2014/main" id="{FD722970-5EE3-40B6-975E-47ED8D83AE24}"/>
+                <a16:creationId xmlns:a16="http://schemas.microsoft.com/office/drawing/2014/main" id="{237D9ADC-6E8A-4999-B7A9-78C498C5CCA6}"/>
               </a:ext>
             </a:extLst>
           </p:cNvPr>
@@ -6440,73 +6739,44 @@
           <a:p>
             <a:r>
               <a:rPr lang="de-DE" dirty="0"/>
-              <a:t>Datenschema - Eingabegerät</a:t>
-            </a:r>
-          </a:p>
-        </p:txBody>
-      </p:sp>
-      <p:sp>
-        <p:nvSpPr>
-          <p:cNvPr id="3" name="Inhaltsplatzhalter 2">
+              <a:t>Mockup</a:t>
+            </a:r>
+          </a:p>
+        </p:txBody>
+      </p:sp>
+      <p:pic>
+        <p:nvPicPr>
+          <p:cNvPr id="13" name="Inhaltsplatzhalter 12">
             <a:extLst>
               <a:ext uri="{FF2B5EF4-FFF2-40B4-BE49-F238E27FC236}">
-                <a16:creationId xmlns:a16="http://schemas.microsoft.com/office/drawing/2014/main" id="{608E9DB5-BDD2-43AD-8B09-EBC3F3B0EF2B}"/>
+                <a16:creationId xmlns:a16="http://schemas.microsoft.com/office/drawing/2014/main" id="{80E321E3-C21F-4E0B-97DF-61A78E235D69}"/>
               </a:ext>
             </a:extLst>
           </p:cNvPr>
-          <p:cNvSpPr>
-            <a:spLocks noGrp="1"/>
-          </p:cNvSpPr>
+          <p:cNvPicPr>
+            <a:picLocks noGrp="1" noChangeAspect="1"/>
+          </p:cNvPicPr>
           <p:nvPr>
             <p:ph idx="1"/>
           </p:nvPr>
-        </p:nvSpPr>
-        <p:spPr/>
-        <p:txBody>
-          <a:bodyPr/>
-          <a:lstStyle/>
-          <a:p>
-            <a:r>
-              <a:rPr lang="de-DE" dirty="0"/>
-              <a:t>Eingabemethode</a:t>
-            </a:r>
-          </a:p>
-          <a:p>
-            <a:pPr lvl="1"/>
-            <a:r>
-              <a:rPr lang="de-DE" dirty="0"/>
-              <a:t>Maus</a:t>
-            </a:r>
-          </a:p>
-          <a:p>
-            <a:pPr lvl="1"/>
-            <a:r>
-              <a:rPr lang="de-DE" dirty="0"/>
-              <a:t>Touch</a:t>
-            </a:r>
-          </a:p>
-          <a:p>
-            <a:pPr lvl="1"/>
-            <a:r>
-              <a:rPr lang="de-DE" dirty="0"/>
-              <a:t>Stift</a:t>
-            </a:r>
-          </a:p>
-          <a:p>
-            <a:r>
-              <a:rPr lang="de-DE" dirty="0"/>
-              <a:t>Gerätetyp (Laptop, Desktop)</a:t>
-            </a:r>
-          </a:p>
-          <a:p>
-            <a:endParaRPr lang="de-DE" dirty="0"/>
-          </a:p>
-        </p:txBody>
-      </p:sp>
+        </p:nvPicPr>
+        <p:blipFill>
+          <a:blip r:embed="rId2"/>
+          <a:stretch>
+            <a:fillRect/>
+          </a:stretch>
+        </p:blipFill>
+        <p:spPr>
+          <a:xfrm>
+            <a:off x="2441493" y="2052638"/>
+            <a:ext cx="6270789" cy="4195762"/>
+          </a:xfrm>
+        </p:spPr>
+      </p:pic>
     </p:spTree>
     <p:extLst>
       <p:ext uri="{BB962C8B-B14F-4D97-AF65-F5344CB8AC3E}">
-        <p14:creationId xmlns:p14="http://schemas.microsoft.com/office/powerpoint/2010/main" val="439951434"/>
+        <p14:creationId xmlns:p14="http://schemas.microsoft.com/office/powerpoint/2010/main" val="2936201887"/>
       </p:ext>
     </p:extLst>
   </p:cSld>
@@ -6556,7 +6826,7 @@
           <a:p>
             <a:r>
               <a:rPr lang="de-DE" dirty="0"/>
-              <a:t>Datenschema - Proband</a:t>
+              <a:t>Datenschema</a:t>
             </a:r>
           </a:p>
         </p:txBody>
@@ -6584,46 +6854,45 @@
           <a:p>
             <a:r>
               <a:rPr lang="de-DE" dirty="0"/>
-              <a:t>Name</a:t>
-            </a:r>
-          </a:p>
-          <a:p>
+              <a:t>Einstellungen</a:t>
+            </a:r>
+          </a:p>
+          <a:p>
+            <a:pPr lvl="1"/>
             <a:r>
               <a:rPr lang="de-DE" dirty="0"/>
-              <a:t>Alter</a:t>
-            </a:r>
-          </a:p>
-          <a:p>
+              <a:t>Eingabegerät</a:t>
+            </a:r>
+          </a:p>
+          <a:p>
+            <a:pPr lvl="1"/>
             <a:r>
               <a:rPr lang="de-DE" dirty="0"/>
-              <a:t>Geschlecht</a:t>
-            </a:r>
-          </a:p>
-          <a:p>
+              <a:t>Proband</a:t>
+            </a:r>
+          </a:p>
+          <a:p>
+            <a:pPr lvl="1"/>
             <a:r>
               <a:rPr lang="de-DE" dirty="0"/>
-              <a:t>Schreibrichtung</a:t>
-            </a:r>
-          </a:p>
-          <a:p>
+              <a:t>Versuch</a:t>
+            </a:r>
+          </a:p>
+          <a:p>
+            <a:pPr lvl="1"/>
             <a:r>
               <a:rPr lang="de-DE" dirty="0"/>
-              <a:t>Schreibhand</a:t>
+              <a:t>Allgemeine Daten</a:t>
             </a:r>
           </a:p>
           <a:p>
             <a:r>
               <a:rPr lang="de-DE" dirty="0"/>
-              <a:t>Zehnfingersystem</a:t>
-            </a:r>
-          </a:p>
-          <a:p>
-            <a:r>
-              <a:rPr lang="de-DE" dirty="0"/>
-              <a:t>Bemerkung</a:t>
-            </a:r>
-          </a:p>
-          <a:p>
+              <a:t>Messdaten</a:t>
+            </a:r>
+          </a:p>
+          <a:p>
+            <a:pPr lvl="1"/>
             <a:endParaRPr lang="de-DE" dirty="0"/>
           </a:p>
         </p:txBody>
@@ -6631,7 +6900,7 @@
     </p:spTree>
     <p:extLst>
       <p:ext uri="{BB962C8B-B14F-4D97-AF65-F5344CB8AC3E}">
-        <p14:creationId xmlns:p14="http://schemas.microsoft.com/office/powerpoint/2010/main" val="3044955833"/>
+        <p14:creationId xmlns:p14="http://schemas.microsoft.com/office/powerpoint/2010/main" val="4132783222"/>
       </p:ext>
     </p:extLst>
   </p:cSld>
@@ -6681,7 +6950,7 @@
           <a:p>
             <a:r>
               <a:rPr lang="de-DE" dirty="0"/>
-              <a:t>Datenschema - Versuch</a:t>
+              <a:t>Datenschema - Eingabegerät</a:t>
             </a:r>
           </a:p>
         </p:txBody>
@@ -6709,29 +6978,35 @@
           <a:p>
             <a:r>
               <a:rPr lang="de-DE" dirty="0"/>
-              <a:t>Versuchsart (Version 1 oder 2)</a:t>
-            </a:r>
-          </a:p>
-          <a:p>
+              <a:t>Eingabemethode</a:t>
+            </a:r>
+          </a:p>
+          <a:p>
+            <a:pPr lvl="1"/>
             <a:r>
               <a:rPr lang="de-DE" dirty="0"/>
-              <a:t>Rundenanzahl</a:t>
-            </a:r>
-          </a:p>
-          <a:p>
+              <a:t>Maus</a:t>
+            </a:r>
+          </a:p>
+          <a:p>
+            <a:pPr lvl="1"/>
             <a:r>
               <a:rPr lang="de-DE" dirty="0"/>
-              <a:t>Icons oder Text</a:t>
-            </a:r>
-          </a:p>
-          <a:p>
+              <a:t>Touch</a:t>
+            </a:r>
+          </a:p>
+          <a:p>
+            <a:pPr lvl="1"/>
             <a:r>
               <a:rPr lang="de-DE" dirty="0"/>
-              <a:t>Versuch abgebrochen/ungültig?</a:t>
-            </a:r>
-          </a:p>
-          <a:p>
-            <a:endParaRPr lang="de-DE" dirty="0"/>
+              <a:t>Stift</a:t>
+            </a:r>
+          </a:p>
+          <a:p>
+            <a:r>
+              <a:rPr lang="de-DE" dirty="0"/>
+              <a:t>Gerätetyp (Laptop, Desktop)</a:t>
+            </a:r>
           </a:p>
           <a:p>
             <a:endParaRPr lang="de-DE" dirty="0"/>
@@ -6741,7 +7016,7 @@
     </p:spTree>
     <p:extLst>
       <p:ext uri="{BB962C8B-B14F-4D97-AF65-F5344CB8AC3E}">
-        <p14:creationId xmlns:p14="http://schemas.microsoft.com/office/powerpoint/2010/main" val="2367269565"/>
+        <p14:creationId xmlns:p14="http://schemas.microsoft.com/office/powerpoint/2010/main" val="439951434"/>
       </p:ext>
     </p:extLst>
   </p:cSld>
@@ -6791,7 +7066,7 @@
           <a:p>
             <a:r>
               <a:rPr lang="de-DE" dirty="0"/>
-              <a:t>Datenschema – Allgemeine Daten</a:t>
+              <a:t>Datenschema - Proband</a:t>
             </a:r>
           </a:p>
         </p:txBody>
@@ -6819,30 +7094,44 @@
           <a:p>
             <a:r>
               <a:rPr lang="de-DE" dirty="0"/>
-              <a:t>Version</a:t>
+              <a:t>Name</a:t>
             </a:r>
           </a:p>
           <a:p>
             <a:r>
               <a:rPr lang="de-DE" dirty="0"/>
-              <a:t>Computername</a:t>
+              <a:t>Alter</a:t>
             </a:r>
           </a:p>
           <a:p>
             <a:r>
               <a:rPr lang="de-DE" dirty="0"/>
-              <a:t>OS</a:t>
-            </a:r>
-          </a:p>
-          <a:p>
-            <a:r>
-              <a:rPr lang="de-DE" dirty="0" err="1"/>
-              <a:t>Timestamp</a:t>
-            </a:r>
-            <a:endParaRPr lang="de-DE" dirty="0"/>
-          </a:p>
-          <a:p>
-            <a:endParaRPr lang="de-DE" dirty="0"/>
+              <a:t>Geschlecht</a:t>
+            </a:r>
+          </a:p>
+          <a:p>
+            <a:r>
+              <a:rPr lang="de-DE" dirty="0"/>
+              <a:t>Schreibrichtung</a:t>
+            </a:r>
+          </a:p>
+          <a:p>
+            <a:r>
+              <a:rPr lang="de-DE" dirty="0"/>
+              <a:t>Schreibhand</a:t>
+            </a:r>
+          </a:p>
+          <a:p>
+            <a:r>
+              <a:rPr lang="de-DE" dirty="0"/>
+              <a:t>Zehnfingersystem</a:t>
+            </a:r>
+          </a:p>
+          <a:p>
+            <a:r>
+              <a:rPr lang="de-DE" dirty="0"/>
+              <a:t>Bemerkung</a:t>
+            </a:r>
           </a:p>
           <a:p>
             <a:endParaRPr lang="de-DE" dirty="0"/>
@@ -6852,7 +7141,7 @@
     </p:spTree>
     <p:extLst>
       <p:ext uri="{BB962C8B-B14F-4D97-AF65-F5344CB8AC3E}">
-        <p14:creationId xmlns:p14="http://schemas.microsoft.com/office/powerpoint/2010/main" val="4004743037"/>
+        <p14:creationId xmlns:p14="http://schemas.microsoft.com/office/powerpoint/2010/main" val="3044955833"/>
       </p:ext>
     </p:extLst>
   </p:cSld>
@@ -6902,7 +7191,7 @@
           <a:p>
             <a:r>
               <a:rPr lang="de-DE" dirty="0"/>
-              <a:t>Datenschema – Messdaten</a:t>
+              <a:t>Datenschema - Versuch</a:t>
             </a:r>
           </a:p>
         </p:txBody>
@@ -6930,48 +7219,25 @@
           <a:p>
             <a:r>
               <a:rPr lang="de-DE" dirty="0"/>
-              <a:t>Versuch 1</a:t>
-            </a:r>
-          </a:p>
-          <a:p>
-            <a:pPr lvl="1"/>
+              <a:t>Versuchsart (Version 1 oder 2)</a:t>
+            </a:r>
+          </a:p>
+          <a:p>
             <a:r>
               <a:rPr lang="de-DE" dirty="0"/>
-              <a:t>Angezeigter Befehl (z.B. Drucken)	</a:t>
-            </a:r>
-          </a:p>
-          <a:p>
-            <a:pPr lvl="1"/>
+              <a:t>Rundenanzahl</a:t>
+            </a:r>
+          </a:p>
+          <a:p>
             <a:r>
               <a:rPr lang="de-DE" dirty="0"/>
-              <a:t>Gedrückter Shortcut</a:t>
-            </a:r>
-          </a:p>
-          <a:p>
-            <a:pPr lvl="1"/>
+              <a:t>Icons oder Text</a:t>
+            </a:r>
+          </a:p>
+          <a:p>
             <a:r>
               <a:rPr lang="de-DE" dirty="0"/>
-              <a:t>Benötigte Zeit</a:t>
-            </a:r>
-          </a:p>
-          <a:p>
-            <a:r>
-              <a:rPr lang="de-DE" dirty="0"/>
-              <a:t>Versuch 2</a:t>
-            </a:r>
-          </a:p>
-          <a:p>
-            <a:pPr lvl="1"/>
-            <a:r>
-              <a:rPr lang="de-DE" dirty="0"/>
-              <a:t>Angezeigter Shortcut</a:t>
-            </a:r>
-          </a:p>
-          <a:p>
-            <a:pPr lvl="1"/>
-            <a:r>
-              <a:rPr lang="de-DE" dirty="0"/>
-              <a:t>Benötigte Zeit</a:t>
+              <a:t>Versuch abgebrochen/ungültig?</a:t>
             </a:r>
           </a:p>
           <a:p>
@@ -6985,7 +7251,7 @@
     </p:spTree>
     <p:extLst>
       <p:ext uri="{BB962C8B-B14F-4D97-AF65-F5344CB8AC3E}">
-        <p14:creationId xmlns:p14="http://schemas.microsoft.com/office/powerpoint/2010/main" val="2499850819"/>
+        <p14:creationId xmlns:p14="http://schemas.microsoft.com/office/powerpoint/2010/main" val="2367269565"/>
       </p:ext>
     </p:extLst>
   </p:cSld>
